--- a/static/Svelte App Presentation.pptx
+++ b/static/Svelte App Presentation.pptx
@@ -3260,50 +3260,169 @@
           <a:p>
             <a:pPr algn="l"/>
             <a:r>
-              <a:rPr sz="2200" b="0">
+              <a:rPr sz="2200" b="0" dirty="0">
                 <a:solidFill>
                   <a:srgbClr val="DCDCDC"/>
                 </a:solidFill>
               </a:rPr>
-              <a:t>- **Svelte &amp; SvelteKit**: Lightweight framework for frontend and API routes</a:t>
-            </a:r>
+              <a:t>- **Svelte &amp; SvelteKit**: Lightweight framework for frontend and API rout</a:t>
+            </a:r>
+            <a:r>
+              <a:rPr lang="en-US" sz="2200" b="0" dirty="0">
+                <a:solidFill>
+                  <a:srgbClr val="DCDCDC"/>
+                </a:solidFill>
+              </a:rPr>
+              <a:t>ing</a:t>
+            </a:r>
+            <a:endParaRPr sz="2200" b="0" dirty="0">
+              <a:solidFill>
+                <a:srgbClr val="DCDCDC"/>
+              </a:solidFill>
+            </a:endParaRPr>
           </a:p>
           <a:p>
             <a:pPr algn="l"/>
             <a:r>
-              <a:rPr sz="2200" b="0">
+              <a:rPr sz="2200" b="0" dirty="0">
                 <a:solidFill>
                   <a:srgbClr val="DCDCDC"/>
                 </a:solidFill>
               </a:rPr>
-              <a:t>- **Vite**: Fast build tool for development</a:t>
-            </a:r>
+              <a:t>- **Vite**: Fast build</a:t>
+            </a:r>
+            <a:r>
+              <a:rPr lang="en-US" sz="2200" b="0" dirty="0">
+                <a:solidFill>
+                  <a:srgbClr val="DCDCDC"/>
+                </a:solidFill>
+              </a:rPr>
+              <a:t> </a:t>
+            </a:r>
+            <a:r>
+              <a:rPr sz="2200" b="0" dirty="0">
+                <a:solidFill>
+                  <a:srgbClr val="DCDCDC"/>
+                </a:solidFill>
+              </a:rPr>
+              <a:t>tool for development</a:t>
+            </a:r>
+            <a:r>
+              <a:rPr lang="en-US" sz="2200" b="0" dirty="0">
+                <a:solidFill>
+                  <a:srgbClr val="DCDCDC"/>
+                </a:solidFill>
+              </a:rPr>
+              <a:t> (with live refresh)</a:t>
+            </a:r>
+            <a:endParaRPr sz="2200" b="0" dirty="0">
+              <a:solidFill>
+                <a:srgbClr val="DCDCDC"/>
+              </a:solidFill>
+            </a:endParaRPr>
           </a:p>
           <a:p>
             <a:pPr algn="l"/>
             <a:r>
-              <a:rPr sz="2200" b="0">
+              <a:rPr sz="2200" b="0" dirty="0">
                 <a:solidFill>
                   <a:srgbClr val="DCDCDC"/>
                 </a:solidFill>
               </a:rPr>
-              <a:t>- **Bun**: Runtime replacing Node.js for speed and efficiency</a:t>
-            </a:r>
+              <a:t>- **Bun**: </a:t>
+            </a:r>
+            <a:r>
+              <a:rPr lang="en-US" sz="2200" b="0" dirty="0">
+                <a:solidFill>
+                  <a:srgbClr val="DCDCDC"/>
+                </a:solidFill>
+              </a:rPr>
+              <a:t>Modern </a:t>
+            </a:r>
+            <a:r>
+              <a:rPr sz="2200" b="0" dirty="0">
+                <a:solidFill>
+                  <a:srgbClr val="DCDCDC"/>
+                </a:solidFill>
+              </a:rPr>
+              <a:t>Runtime</a:t>
+            </a:r>
+            <a:r>
+              <a:rPr lang="en-US" sz="2200" b="0" dirty="0">
+                <a:solidFill>
+                  <a:srgbClr val="DCDCDC"/>
+                </a:solidFill>
+              </a:rPr>
+              <a:t> server environment</a:t>
+            </a:r>
+            <a:r>
+              <a:rPr sz="2200" b="0" dirty="0">
+                <a:solidFill>
+                  <a:srgbClr val="DCDCDC"/>
+                </a:solidFill>
+              </a:rPr>
+              <a:t> </a:t>
+            </a:r>
+            <a:r>
+              <a:rPr lang="en-US" sz="2200" b="0" dirty="0">
+                <a:solidFill>
+                  <a:srgbClr val="DCDCDC"/>
+                </a:solidFill>
+              </a:rPr>
+              <a:t>(instead of Node.js)</a:t>
+            </a:r>
+            <a:endParaRPr sz="2200" b="0" dirty="0">
+              <a:solidFill>
+                <a:srgbClr val="DCDCDC"/>
+              </a:solidFill>
+            </a:endParaRPr>
           </a:p>
           <a:p>
             <a:pPr algn="l"/>
             <a:r>
-              <a:rPr sz="2200" b="0">
+              <a:rPr sz="2200" b="0" dirty="0">
                 <a:solidFill>
                   <a:srgbClr val="DCDCDC"/>
                 </a:solidFill>
               </a:rPr>
               <a:t>- **OpenAI SDK**: Provides AI-powered responses</a:t>
             </a:r>
+            <a:endParaRPr lang="en-US" sz="2200" b="0" dirty="0">
+              <a:solidFill>
+                <a:srgbClr val="DCDCDC"/>
+              </a:solidFill>
+            </a:endParaRPr>
           </a:p>
           <a:p>
             <a:pPr algn="l"/>
-            <a:endParaRPr sz="2200" b="0">
+            <a:r>
+              <a:rPr lang="en-US" sz="2200" dirty="0">
+                <a:solidFill>
+                  <a:srgbClr val="DCDCDC"/>
+                </a:solidFill>
+              </a:rPr>
+              <a:t>- **Supabase**: PostgreSQL database back-end, future auth, edge</a:t>
+            </a:r>
+          </a:p>
+          <a:p>
+            <a:pPr lvl="1"/>
+            <a:r>
+              <a:rPr lang="en-US" sz="1800" dirty="0">
+                <a:solidFill>
+                  <a:srgbClr val="DCDCDC"/>
+                </a:solidFill>
+              </a:rPr>
+              <a:t>Used direct SQL instead of ORM – tried to minimize complexity points</a:t>
+            </a:r>
+            <a:endParaRPr sz="1800" b="0" dirty="0">
+              <a:solidFill>
+                <a:srgbClr val="DCDCDC"/>
+              </a:solidFill>
+            </a:endParaRPr>
+          </a:p>
+          <a:p>
+            <a:pPr algn="l"/>
+            <a:endParaRPr sz="2200" b="0" dirty="0">
               <a:solidFill>
                 <a:srgbClr val="DCDCDC"/>
               </a:solidFill>
@@ -3388,18 +3507,34 @@
           <a:p>
             <a:pPr algn="l"/>
             <a:r>
-              <a:rPr sz="2200" b="0">
+              <a:rPr sz="2200" b="0" dirty="0">
                 <a:solidFill>
                   <a:srgbClr val="DCDCDC"/>
                 </a:solidFill>
               </a:rPr>
-              <a:t>1. User visits `/newcompanylookup`</a:t>
+              <a:t>1. User visits `/</a:t>
+            </a:r>
+            <a:r>
+              <a:rPr sz="2200" b="0" dirty="0" err="1">
+                <a:solidFill>
+                  <a:srgbClr val="DCDCDC"/>
+                </a:solidFill>
+              </a:rPr>
+              <a:t>newcompanylookup</a:t>
+            </a:r>
+            <a:r>
+              <a:rPr sz="2200" b="0" dirty="0">
+                <a:solidFill>
+                  <a:srgbClr val="DCDCDC"/>
+                </a:solidFill>
+              </a:rPr>
+              <a:t>`</a:t>
             </a:r>
           </a:p>
           <a:p>
             <a:pPr algn="l"/>
             <a:r>
-              <a:rPr sz="2200" b="0">
+              <a:rPr sz="2200" b="0" dirty="0">
                 <a:solidFill>
                   <a:srgbClr val="DCDCDC"/>
                 </a:solidFill>
@@ -3410,7 +3545,7 @@
           <a:p>
             <a:pPr algn="l"/>
             <a:r>
-              <a:rPr sz="2200" b="0">
+              <a:rPr sz="2200" b="0" dirty="0">
                 <a:solidFill>
                   <a:srgbClr val="DCDCDC"/>
                 </a:solidFill>
@@ -3421,7 +3556,7 @@
           <a:p>
             <a:pPr algn="l"/>
             <a:r>
-              <a:rPr sz="2200" b="0">
+              <a:rPr sz="2200" b="0" dirty="0">
                 <a:solidFill>
                   <a:srgbClr val="DCDCDC"/>
                 </a:solidFill>
@@ -3432,7 +3567,7 @@
           <a:p>
             <a:pPr algn="l"/>
             <a:r>
-              <a:rPr sz="2200" b="0">
+              <a:rPr sz="2200" b="0" dirty="0">
                 <a:solidFill>
                   <a:srgbClr val="DCDCDC"/>
                 </a:solidFill>
